--- a/게임엔진1_팀프로젝트_계획발표_7조_3차.pptx
+++ b/게임엔진1_팀프로젝트_계획발표_7조_3차.pptx
@@ -6249,7 +6249,7 @@
                   </a:schemeClr>
                 </a:solidFill>
               </a:rPr>
-              <a:t>중간 점검</a:t>
+              <a:t>최종 점검</a:t>
             </a:r>
             <a:endParaRPr lang="en-US" altLang="ko-KR" b="1" dirty="0">
               <a:solidFill>
@@ -7175,6 +7175,18 @@
               <a:rPr lang="ko-KR" altLang="en-US" b="1" dirty="0" err="1"/>
               <a:t>로그라이크</a:t>
             </a:r>
+            <a:r>
+              <a:rPr lang="ko-KR" altLang="en-US" b="1" dirty="0"/>
+              <a:t> </a:t>
+            </a:r>
+            <a:r>
+              <a:rPr lang="en-US" altLang="ko-KR" b="1" dirty="0"/>
+              <a:t>+ </a:t>
+            </a:r>
+            <a:r>
+              <a:rPr lang="ko-KR" altLang="en-US" b="1" dirty="0"/>
+              <a:t>턴</a:t>
+            </a:r>
             <a:endParaRPr lang="en-US" altLang="ko-KR" b="1" dirty="0"/>
           </a:p>
           <a:p>
@@ -7242,17 +7254,14 @@
               <a:buChar char="•"/>
             </a:pPr>
             <a:r>
-              <a:rPr lang="ko-KR" altLang="en-US" b="1" dirty="0" err="1"/>
-              <a:t>매커니즘</a:t>
+              <a:rPr lang="ko-KR" altLang="en-US" b="1" dirty="0"/>
+              <a:t>스테이지를 진행하며 보스 몬스터를 물리쳐라</a:t>
             </a:r>
             <a:r>
               <a:rPr lang="en-US" altLang="ko-KR" b="1" dirty="0"/>
-              <a:t>: </a:t>
-            </a:r>
-            <a:r>
-              <a:rPr lang="ko-KR" altLang="en-US" b="1" dirty="0"/>
-              <a:t>배고픔과 체력을 유지하면서 몬스터와 함정을 뚫고 스테이지를 진행</a:t>
-            </a:r>
+              <a:t>!</a:t>
+            </a:r>
+            <a:endParaRPr lang="ko-KR" altLang="en-US" b="1" dirty="0"/>
           </a:p>
         </p:txBody>
       </p:sp>
@@ -12590,7 +12599,7 @@
           <a:lstStyle/>
           <a:p>
             <a:pPr algn="ctr"/>
-            <a:endParaRPr lang="ko-KR" altLang="en-US"/>
+            <a:endParaRPr lang="ko-KR" altLang="en-US" dirty="0"/>
           </a:p>
         </p:txBody>
       </p:sp>
@@ -12608,8 +12617,8 @@
         </p:nvSpPr>
         <p:spPr>
           <a:xfrm>
-            <a:off x="2944352" y="1905064"/>
-            <a:ext cx="7311272" cy="3539430"/>
+            <a:off x="2944352" y="1610038"/>
+            <a:ext cx="7311272" cy="4185761"/>
           </a:xfrm>
           <a:prstGeom prst="rect">
             <a:avLst/>
@@ -13203,6 +13212,91 @@
                 </a:schemeClr>
               </a:solidFill>
             </a:endParaRPr>
+          </a:p>
+          <a:p>
+            <a:pPr marL="285750" indent="-285750">
+              <a:buFont typeface="Arial" panose="020B0604020202020204" pitchFamily="34" charset="0"/>
+              <a:buChar char="•"/>
+            </a:pPr>
+            <a:endParaRPr lang="en-US" altLang="ko-KR" sz="1400" b="1" dirty="0">
+              <a:solidFill>
+                <a:schemeClr val="tx1">
+                  <a:lumMod val="85000"/>
+                  <a:lumOff val="15000"/>
+                </a:schemeClr>
+              </a:solidFill>
+            </a:endParaRPr>
+          </a:p>
+          <a:p>
+            <a:r>
+              <a:rPr lang="ko-KR" altLang="en-US" sz="1400" b="1" dirty="0">
+                <a:solidFill>
+                  <a:schemeClr val="tx1">
+                    <a:lumMod val="85000"/>
+                    <a:lumOff val="15000"/>
+                  </a:schemeClr>
+                </a:solidFill>
+              </a:rPr>
+              <a:t>문제점</a:t>
+            </a:r>
+            <a:endParaRPr lang="en-US" altLang="ko-KR" sz="1400" b="1" dirty="0">
+              <a:solidFill>
+                <a:schemeClr val="tx1">
+                  <a:lumMod val="85000"/>
+                  <a:lumOff val="15000"/>
+                </a:schemeClr>
+              </a:solidFill>
+            </a:endParaRPr>
+          </a:p>
+          <a:p>
+            <a:pPr marL="285750" indent="-285750">
+              <a:buFont typeface="Arial" panose="020B0604020202020204" pitchFamily="34" charset="0"/>
+              <a:buChar char="•"/>
+            </a:pPr>
+            <a:r>
+              <a:rPr lang="ko-KR" altLang="en-US" sz="1400" b="1" dirty="0">
+                <a:solidFill>
+                  <a:schemeClr val="tx1">
+                    <a:lumMod val="85000"/>
+                    <a:lumOff val="15000"/>
+                  </a:schemeClr>
+                </a:solidFill>
+              </a:rPr>
+              <a:t>씬 </a:t>
+            </a:r>
+            <a:r>
+              <a:rPr lang="ko-KR" altLang="en-US" sz="1400" b="1" dirty="0" err="1">
+                <a:solidFill>
+                  <a:schemeClr val="tx1">
+                    <a:lumMod val="85000"/>
+                    <a:lumOff val="15000"/>
+                  </a:schemeClr>
+                </a:solidFill>
+              </a:rPr>
+              <a:t>전환시</a:t>
+            </a:r>
+            <a:r>
+              <a:rPr lang="ko-KR" altLang="en-US" sz="1400" b="1" dirty="0">
+                <a:solidFill>
+                  <a:schemeClr val="tx1">
+                    <a:lumMod val="85000"/>
+                    <a:lumOff val="15000"/>
+                  </a:schemeClr>
+                </a:solidFill>
+              </a:rPr>
+              <a:t> 데이터 전달에서 문제가 발생</a:t>
+            </a:r>
+            <a:r>
+              <a:rPr lang="en-US" altLang="ko-KR" sz="1400" b="1" dirty="0">
+                <a:solidFill>
+                  <a:schemeClr val="tx1">
+                    <a:lumMod val="85000"/>
+                    <a:lumOff val="15000"/>
+                  </a:schemeClr>
+                </a:solidFill>
+              </a:rPr>
+              <a:t>…</a:t>
+            </a:r>
           </a:p>
         </p:txBody>
       </p:sp>
@@ -14863,7 +14957,7 @@
           <p:nvPr>
             <p:extLst>
               <p:ext uri="{D42A27DB-BD31-4B8C-83A1-F6EECF244321}">
-                <p14:modId xmlns:p14="http://schemas.microsoft.com/office/powerpoint/2010/main" val="2639824790"/>
+                <p14:modId xmlns:p14="http://schemas.microsoft.com/office/powerpoint/2010/main" val="3885339978"/>
               </p:ext>
             </p:extLst>
           </p:nvPr>
@@ -15129,7 +15223,7 @@
                             <a:schemeClr val="bg2"/>
                           </a:solidFill>
                         </a:rPr>
-                        <a:t>몬스터 출현 시스템 구현</a:t>
+                        <a:t>몬스터 출현 게이지 시스템 구현</a:t>
                       </a:r>
                       <a:endParaRPr lang="en-US" altLang="ko-KR" dirty="0">
                         <a:solidFill>
@@ -15180,10 +15274,10 @@
   <a:themeElements>
     <a:clrScheme name="Office">
       <a:dk1>
-        <a:sysClr val="windowText" lastClr="000000"/>
+        <a:sysClr val="windowText" lastClr="C8C8C8"/>
       </a:dk1>
       <a:lt1>
-        <a:sysClr val="window" lastClr="FFFFFF"/>
+        <a:sysClr val="window" lastClr="000000"/>
       </a:lt1>
       <a:dk2>
         <a:srgbClr val="44546A"/>
@@ -15475,10 +15569,10 @@
   <a:themeElements>
     <a:clrScheme name="Office">
       <a:dk1>
-        <a:sysClr val="windowText" lastClr="000000"/>
+        <a:sysClr val="windowText" lastClr="C8C8C8"/>
       </a:dk1>
       <a:lt1>
-        <a:sysClr val="window" lastClr="FFFFFF"/>
+        <a:sysClr val="window" lastClr="000000"/>
       </a:lt1>
       <a:dk2>
         <a:srgbClr val="44546A"/>
